--- a/sesija-30/PPT/Front-End Developer-30.pptx
+++ b/sesija-30/PPT/Front-End Developer-30.pptx
@@ -6,13 +6,20 @@
     <p:sldMasterId id="2147483676" r:id="rId2"/>
   </p:sldMasterIdLst>
   <p:notesMasterIdLst>
-    <p:notesMasterId r:id="rId7"/>
+    <p:notesMasterId r:id="rId14"/>
   </p:notesMasterIdLst>
   <p:sldIdLst>
     <p:sldId id="256" r:id="rId3"/>
     <p:sldId id="257" r:id="rId4"/>
     <p:sldId id="258" r:id="rId5"/>
     <p:sldId id="263" r:id="rId6"/>
+    <p:sldId id="264" r:id="rId7"/>
+    <p:sldId id="265" r:id="rId8"/>
+    <p:sldId id="266" r:id="rId9"/>
+    <p:sldId id="267" r:id="rId10"/>
+    <p:sldId id="268" r:id="rId11"/>
+    <p:sldId id="269" r:id="rId12"/>
+    <p:sldId id="270" r:id="rId13"/>
   </p:sldIdLst>
   <p:sldSz cx="12192000" cy="6858000"/>
   <p:notesSz cx="6858000" cy="9144000"/>
@@ -120,6 +127,13 @@
             <p14:sldId id="257"/>
             <p14:sldId id="258"/>
             <p14:sldId id="263"/>
+            <p14:sldId id="264"/>
+            <p14:sldId id="265"/>
+            <p14:sldId id="266"/>
+            <p14:sldId id="267"/>
+            <p14:sldId id="268"/>
+            <p14:sldId id="269"/>
+            <p14:sldId id="270"/>
           </p14:sldIdLst>
         </p14:section>
       </p14:sectionLst>
@@ -939,6 +953,22 @@
         <a:bodyPr/>
         <a:lstStyle/>
         <a:p>
+          <a:r>
+            <a:rPr lang="en-US" smtClean="0"/>
+            <a:t>Bud</a:t>
+          </a:r>
+          <a:r>
+            <a:rPr lang="sr-Latn-RS" smtClean="0"/>
+            <a:t>žet</a:t>
+          </a:r>
+          <a:r>
+            <a:rPr lang="en-US" smtClean="0"/>
+            <a:t> ap</a:t>
+          </a:r>
+          <a:r>
+            <a:rPr lang="sr-Latn-RS" smtClean="0"/>
+            <a:t>likacija</a:t>
+          </a:r>
           <a:endParaRPr lang="en-US"/>
         </a:p>
       </dgm:t>
@@ -948,6 +978,33 @@
       <dgm:spPr/>
     </dgm:pt>
     <dgm:pt modelId="{B8A6BCFB-F597-4971-BF20-6B7B52347AE9}" type="sibTrans" cxnId="{C78D7D1E-4353-489A-8F01-856C716DDAA5}">
+      <dgm:prSet/>
+      <dgm:spPr/>
+    </dgm:pt>
+    <dgm:pt modelId="{6F74E5BF-BDD6-429C-8A8C-5C46932765D0}">
+      <dgm:prSet phldrT="[Text]"/>
+      <dgm:spPr/>
+      <dgm:t>
+        <a:bodyPr/>
+        <a:lstStyle/>
+        <a:p>
+          <a:r>
+            <a:rPr lang="sr-Latn-RS" smtClean="0"/>
+            <a:t>Budgety – zvaničan naslov</a:t>
+          </a:r>
+          <a:r>
+            <a:rPr lang="en-US" smtClean="0"/>
+            <a:t> </a:t>
+          </a:r>
+          <a:endParaRPr lang="en-US"/>
+        </a:p>
+      </dgm:t>
+    </dgm:pt>
+    <dgm:pt modelId="{ADBD8C67-E94C-461E-BC72-8EE69E96E141}" type="parTrans" cxnId="{451FCAB7-3055-472A-9B02-EBEE886B2270}">
+      <dgm:prSet/>
+      <dgm:spPr/>
+    </dgm:pt>
+    <dgm:pt modelId="{60D4A35C-A532-4F3A-B477-EB1200AD40FC}" type="sibTrans" cxnId="{451FCAB7-3055-472A-9B02-EBEE886B2270}">
       <dgm:prSet/>
       <dgm:spPr/>
     </dgm:pt>
@@ -1002,8 +1059,10 @@
   <dgm:cxnLst>
     <dgm:cxn modelId="{C5A8E9B4-A897-4242-BCB6-414B02FAC18D}" type="presOf" srcId="{7BA3726F-3900-4FC3-8B1E-5B513F942281}" destId="{AADBD8E6-695F-4FE3-9A02-D807BC812A7C}" srcOrd="0" destOrd="0" presId="urn:microsoft.com/office/officeart/2005/8/layout/vList2"/>
     <dgm:cxn modelId="{FB3F133B-D980-4586-8A93-14087C2AFDB7}" type="presOf" srcId="{01EB205F-FC18-44EF-B4D7-07083A382D6D}" destId="{F4D94EE2-DE87-41D3-8995-9FDA4ED2D4BE}" srcOrd="0" destOrd="0" presId="urn:microsoft.com/office/officeart/2005/8/layout/vList2"/>
+    <dgm:cxn modelId="{451FCAB7-3055-472A-9B02-EBEE886B2270}" srcId="{01EB205F-FC18-44EF-B4D7-07083A382D6D}" destId="{6F74E5BF-BDD6-429C-8A8C-5C46932765D0}" srcOrd="1" destOrd="0" parTransId="{ADBD8C67-E94C-461E-BC72-8EE69E96E141}" sibTransId="{60D4A35C-A532-4F3A-B477-EB1200AD40FC}"/>
     <dgm:cxn modelId="{C78D7D1E-4353-489A-8F01-856C716DDAA5}" srcId="{01EB205F-FC18-44EF-B4D7-07083A382D6D}" destId="{7BA3726F-3900-4FC3-8B1E-5B513F942281}" srcOrd="0" destOrd="0" parTransId="{F89418B0-7D47-48D3-A0DD-7DC00E292A1E}" sibTransId="{B8A6BCFB-F597-4971-BF20-6B7B52347AE9}"/>
     <dgm:cxn modelId="{554D4833-0D13-4D4C-92BF-76D83AECFDE6}" srcId="{4EE1351B-4B79-4D48-8F5E-455F7AD945A8}" destId="{01EB205F-FC18-44EF-B4D7-07083A382D6D}" srcOrd="0" destOrd="0" parTransId="{D4C6F2B3-566C-488E-AC05-F7BDFB6B7331}" sibTransId="{2BF717F9-FCD3-4CE3-A0A5-83D104AFB328}"/>
+    <dgm:cxn modelId="{9F7856F9-809F-4E66-BBFA-2F73A3839D76}" type="presOf" srcId="{6F74E5BF-BDD6-429C-8A8C-5C46932765D0}" destId="{AADBD8E6-695F-4FE3-9A02-D807BC812A7C}" srcOrd="0" destOrd="1" presId="urn:microsoft.com/office/officeart/2005/8/layout/vList2"/>
     <dgm:cxn modelId="{9ADF0326-01FB-4790-B759-ACDFB0217796}" type="presOf" srcId="{4EE1351B-4B79-4D48-8F5E-455F7AD945A8}" destId="{AEABCDDF-3180-4C76-A7CB-FC0B6AF0719A}" srcOrd="0" destOrd="0" presId="urn:microsoft.com/office/officeart/2005/8/layout/vList2"/>
     <dgm:cxn modelId="{541BD5B9-51DA-497F-838D-CDA31366E980}" type="presParOf" srcId="{AEABCDDF-3180-4C76-A7CB-FC0B6AF0719A}" destId="{F4D94EE2-DE87-41D3-8995-9FDA4ED2D4BE}" srcOrd="0" destOrd="0" presId="urn:microsoft.com/office/officeart/2005/8/layout/vList2"/>
     <dgm:cxn modelId="{C7801D2E-7067-4E56-86BD-8C707C34363A}" type="presParOf" srcId="{AEABCDDF-3180-4C76-A7CB-FC0B6AF0719A}" destId="{AADBD8E6-695F-4FE3-9A02-D807BC812A7C}" srcOrd="1" destOrd="0" presId="urn:microsoft.com/office/officeart/2005/8/layout/vList2"/>
@@ -1033,7 +1092,7 @@
       </dsp:nvSpPr>
       <dsp:spPr>
         <a:xfrm>
-          <a:off x="0" y="1548347"/>
+          <a:off x="0" y="909235"/>
           <a:ext cx="8298873" cy="1521000"/>
         </a:xfrm>
         <a:prstGeom prst="roundRect">
@@ -1099,7 +1158,7 @@
         </a:p>
       </dsp:txBody>
       <dsp:txXfrm>
-        <a:off x="74249" y="1622596"/>
+        <a:off x="74249" y="983484"/>
         <a:ext cx="8150375" cy="1372502"/>
       </dsp:txXfrm>
     </dsp:sp>
@@ -1110,8 +1169,8 @@
       </dsp:nvSpPr>
       <dsp:spPr>
         <a:xfrm>
-          <a:off x="0" y="3069347"/>
-          <a:ext cx="8298873" cy="1076400"/>
+          <a:off x="0" y="2430235"/>
+          <a:ext cx="8298873" cy="2354625"/>
         </a:xfrm>
         <a:prstGeom prst="rect">
           <a:avLst/>
@@ -1152,12 +1211,51 @@
             </a:spcAft>
             <a:buChar char="••"/>
           </a:pPr>
+          <a:r>
+            <a:rPr lang="en-US" sz="5100" kern="1200" smtClean="0"/>
+            <a:t>Bud</a:t>
+          </a:r>
+          <a:r>
+            <a:rPr lang="sr-Latn-RS" sz="5100" kern="1200" smtClean="0"/>
+            <a:t>žet</a:t>
+          </a:r>
+          <a:r>
+            <a:rPr lang="en-US" sz="5100" kern="1200" smtClean="0"/>
+            <a:t> ap</a:t>
+          </a:r>
+          <a:r>
+            <a:rPr lang="sr-Latn-RS" sz="5100" kern="1200" smtClean="0"/>
+            <a:t>likacija</a:t>
+          </a:r>
+          <a:endParaRPr lang="en-US" sz="5100" kern="1200"/>
+        </a:p>
+        <a:p>
+          <a:pPr marL="285750" lvl="1" indent="-285750" algn="l" defTabSz="2266950">
+            <a:lnSpc>
+              <a:spcPct val="90000"/>
+            </a:lnSpc>
+            <a:spcBef>
+              <a:spcPct val="0"/>
+            </a:spcBef>
+            <a:spcAft>
+              <a:spcPct val="20000"/>
+            </a:spcAft>
+            <a:buChar char="••"/>
+          </a:pPr>
+          <a:r>
+            <a:rPr lang="sr-Latn-RS" sz="5100" kern="1200" smtClean="0"/>
+            <a:t>Budgety – zvaničan naslov</a:t>
+          </a:r>
+          <a:r>
+            <a:rPr lang="en-US" sz="5100" kern="1200" smtClean="0"/>
+            <a:t> </a:t>
+          </a:r>
           <a:endParaRPr lang="en-US" sz="5100" kern="1200"/>
         </a:p>
       </dsp:txBody>
       <dsp:txXfrm>
-        <a:off x="0" y="3069347"/>
-        <a:ext cx="8298873" cy="1076400"/>
+        <a:off x="0" y="2430235"/>
+        <a:ext cx="8298873" cy="2354625"/>
       </dsp:txXfrm>
     </dsp:sp>
   </dsp:spTree>
@@ -2447,7 +2545,7 @@
           <a:p>
             <a:fld id="{D32AC403-8EB1-4D4E-8C3A-24BD19820531}" type="datetimeFigureOut">
               <a:rPr lang="en-US" smtClean="0"/>
-              <a:t>13-Mar-18</a:t>
+              <a:t>22-Apr-18</a:t>
             </a:fld>
             <a:endParaRPr lang="en-US"/>
           </a:p>
@@ -3193,7 +3291,7 @@
           <a:p>
             <a:fld id="{B35B300D-7DF5-4E96-8AA6-60E94C6E9F44}" type="datetimeFigureOut">
               <a:rPr lang="sr-Latn-RS" smtClean="0"/>
-              <a:t>13.3.2018.</a:t>
+              <a:t>22.4.2018.</a:t>
             </a:fld>
             <a:endParaRPr lang="sr-Latn-RS"/>
           </a:p>
@@ -3627,7 +3725,7 @@
           <a:p>
             <a:fld id="{B35B300D-7DF5-4E96-8AA6-60E94C6E9F44}" type="datetimeFigureOut">
               <a:rPr lang="sr-Latn-RS" smtClean="0"/>
-              <a:t>13.3.2018.</a:t>
+              <a:t>22.4.2018.</a:t>
             </a:fld>
             <a:endParaRPr lang="sr-Latn-RS"/>
           </a:p>
@@ -4001,7 +4099,7 @@
           <a:p>
             <a:fld id="{B35B300D-7DF5-4E96-8AA6-60E94C6E9F44}" type="datetimeFigureOut">
               <a:rPr lang="sr-Latn-RS" smtClean="0"/>
-              <a:t>13.3.2018.</a:t>
+              <a:t>22.4.2018.</a:t>
             </a:fld>
             <a:endParaRPr lang="sr-Latn-RS"/>
           </a:p>
@@ -4285,7 +4383,7 @@
           <a:p>
             <a:fld id="{B35B300D-7DF5-4E96-8AA6-60E94C6E9F44}" type="datetimeFigureOut">
               <a:rPr lang="sr-Latn-RS" smtClean="0"/>
-              <a:t>13.3.2018.</a:t>
+              <a:t>22.4.2018.</a:t>
             </a:fld>
             <a:endParaRPr lang="sr-Latn-RS"/>
           </a:p>
@@ -4462,7 +4560,7 @@
           <a:p>
             <a:fld id="{B35B300D-7DF5-4E96-8AA6-60E94C6E9F44}" type="datetimeFigureOut">
               <a:rPr lang="sr-Latn-RS" smtClean="0"/>
-              <a:t>13.3.2018.</a:t>
+              <a:t>22.4.2018.</a:t>
             </a:fld>
             <a:endParaRPr lang="sr-Latn-RS"/>
           </a:p>
@@ -4649,7 +4747,7 @@
           <a:p>
             <a:fld id="{B35B300D-7DF5-4E96-8AA6-60E94C6E9F44}" type="datetimeFigureOut">
               <a:rPr lang="sr-Latn-RS" smtClean="0"/>
-              <a:t>13.3.2018.</a:t>
+              <a:t>22.4.2018.</a:t>
             </a:fld>
             <a:endParaRPr lang="sr-Latn-RS"/>
           </a:p>
@@ -4896,7 +4994,7 @@
           <a:p>
             <a:fld id="{B35B300D-7DF5-4E96-8AA6-60E94C6E9F44}" type="datetimeFigureOut">
               <a:rPr lang="sr-Latn-RS" smtClean="0"/>
-              <a:t>13.3.2018.</a:t>
+              <a:t>22.4.2018.</a:t>
             </a:fld>
             <a:endParaRPr lang="sr-Latn-RS"/>
           </a:p>
@@ -5180,7 +5278,7 @@
           <a:p>
             <a:fld id="{B35B300D-7DF5-4E96-8AA6-60E94C6E9F44}" type="datetimeFigureOut">
               <a:rPr lang="sr-Latn-RS" smtClean="0"/>
-              <a:t>13.3.2018.</a:t>
+              <a:t>22.4.2018.</a:t>
             </a:fld>
             <a:endParaRPr lang="sr-Latn-RS"/>
           </a:p>
@@ -7099,7 +7197,7 @@
           <a:p>
             <a:fld id="{B35B300D-7DF5-4E96-8AA6-60E94C6E9F44}" type="datetimeFigureOut">
               <a:rPr lang="sr-Latn-RS" smtClean="0"/>
-              <a:t>13.3.2018.</a:t>
+              <a:t>22.4.2018.</a:t>
             </a:fld>
             <a:endParaRPr lang="sr-Latn-RS"/>
           </a:p>
@@ -7533,15 +7631,7 @@
             </a:br>
             <a:r>
               <a:rPr lang="en-US" b="1" smtClean="0"/>
-              <a:t>30 </a:t>
-            </a:r>
-            <a:r>
-              <a:rPr lang="en-US" b="1" smtClean="0"/>
-              <a:t>– </a:t>
-            </a:r>
-            <a:r>
-              <a:rPr lang="en-US" b="1" smtClean="0"/>
-              <a:t>23.04.2018</a:t>
+              <a:t>30 – 23.04.2018</a:t>
             </a:r>
             <a:endParaRPr lang="en-US"/>
           </a:p>
@@ -7574,6 +7664,178 @@
     <p:extLst>
       <p:ext uri="{BB962C8B-B14F-4D97-AF65-F5344CB8AC3E}">
         <p14:creationId xmlns:p14="http://schemas.microsoft.com/office/powerpoint/2010/main" val="387546670"/>
+      </p:ext>
+    </p:extLst>
+  </p:cSld>
+  <p:clrMapOvr>
+    <a:masterClrMapping/>
+  </p:clrMapOvr>
+  <p:timing>
+    <p:tnLst>
+      <p:par>
+        <p:cTn id="1" dur="indefinite" restart="never" nodeType="tmRoot"/>
+      </p:par>
+    </p:tnLst>
+  </p:timing>
+</p:sld>
+</file>
+
+<file path=ppt/slides/slide10.xml><?xml version="1.0" encoding="utf-8"?>
+<p:sld xmlns:a="http://schemas.openxmlformats.org/drawingml/2006/main" xmlns:r="http://schemas.openxmlformats.org/officeDocument/2006/relationships" xmlns:p="http://schemas.openxmlformats.org/presentationml/2006/main">
+  <p:cSld>
+    <p:spTree>
+      <p:nvGrpSpPr>
+        <p:cNvPr id="1" name=""/>
+        <p:cNvGrpSpPr/>
+        <p:nvPr/>
+      </p:nvGrpSpPr>
+      <p:grpSpPr>
+        <a:xfrm>
+          <a:off x="0" y="0"/>
+          <a:ext cx="0" cy="0"/>
+          <a:chOff x="0" y="0"/>
+          <a:chExt cx="0" cy="0"/>
+        </a:xfrm>
+      </p:grpSpPr>
+      <p:sp>
+        <p:nvSpPr>
+          <p:cNvPr id="2" name="Title 1"/>
+          <p:cNvSpPr>
+            <a:spLocks noGrp="1"/>
+          </p:cNvSpPr>
+          <p:nvPr>
+            <p:ph type="title"/>
+          </p:nvPr>
+        </p:nvSpPr>
+        <p:spPr/>
+        <p:txBody>
+          <a:bodyPr/>
+          <a:lstStyle/>
+          <a:p>
+            <a:r>
+              <a:rPr lang="en-US" smtClean="0"/>
+              <a:t>init</a:t>
+            </a:r>
+            <a:endParaRPr lang="sr-Latn-RS"/>
+          </a:p>
+        </p:txBody>
+      </p:sp>
+      <p:pic>
+        <p:nvPicPr>
+          <p:cNvPr id="4" name="Content Placeholder 3"/>
+          <p:cNvPicPr>
+            <a:picLocks noGrp="1" noChangeAspect="1"/>
+          </p:cNvPicPr>
+          <p:nvPr>
+            <p:ph sz="quarter" idx="10"/>
+          </p:nvPr>
+        </p:nvPicPr>
+        <p:blipFill>
+          <a:blip r:embed="rId2"/>
+          <a:stretch>
+            <a:fillRect/>
+          </a:stretch>
+        </p:blipFill>
+        <p:spPr>
+          <a:xfrm>
+            <a:off x="1038295" y="2051050"/>
+            <a:ext cx="8188185" cy="3328988"/>
+          </a:xfrm>
+          <a:prstGeom prst="rect">
+            <a:avLst/>
+          </a:prstGeom>
+        </p:spPr>
+      </p:pic>
+    </p:spTree>
+    <p:extLst>
+      <p:ext uri="{BB962C8B-B14F-4D97-AF65-F5344CB8AC3E}">
+        <p14:creationId xmlns:p14="http://schemas.microsoft.com/office/powerpoint/2010/main" val="3638555278"/>
+      </p:ext>
+    </p:extLst>
+  </p:cSld>
+  <p:clrMapOvr>
+    <a:masterClrMapping/>
+  </p:clrMapOvr>
+  <p:timing>
+    <p:tnLst>
+      <p:par>
+        <p:cTn id="1" dur="indefinite" restart="never" nodeType="tmRoot"/>
+      </p:par>
+    </p:tnLst>
+  </p:timing>
+</p:sld>
+</file>
+
+<file path=ppt/slides/slide11.xml><?xml version="1.0" encoding="utf-8"?>
+<p:sld xmlns:a="http://schemas.openxmlformats.org/drawingml/2006/main" xmlns:r="http://schemas.openxmlformats.org/officeDocument/2006/relationships" xmlns:p="http://schemas.openxmlformats.org/presentationml/2006/main">
+  <p:cSld>
+    <p:spTree>
+      <p:nvGrpSpPr>
+        <p:cNvPr id="1" name=""/>
+        <p:cNvGrpSpPr/>
+        <p:nvPr/>
+      </p:nvGrpSpPr>
+      <p:grpSpPr>
+        <a:xfrm>
+          <a:off x="0" y="0"/>
+          <a:ext cx="0" cy="0"/>
+          <a:chOff x="0" y="0"/>
+          <a:chExt cx="0" cy="0"/>
+        </a:xfrm>
+      </p:grpSpPr>
+      <p:sp>
+        <p:nvSpPr>
+          <p:cNvPr id="2" name="Title 1"/>
+          <p:cNvSpPr>
+            <a:spLocks noGrp="1"/>
+          </p:cNvSpPr>
+          <p:nvPr>
+            <p:ph type="title"/>
+          </p:nvPr>
+        </p:nvSpPr>
+        <p:spPr/>
+        <p:txBody>
+          <a:bodyPr/>
+          <a:lstStyle/>
+          <a:p>
+            <a:r>
+              <a:rPr lang="en-US" smtClean="0"/>
+              <a:t>Rad sa podacima </a:t>
+            </a:r>
+            <a:endParaRPr lang="sr-Latn-RS"/>
+          </a:p>
+        </p:txBody>
+      </p:sp>
+      <p:pic>
+        <p:nvPicPr>
+          <p:cNvPr id="4" name="Content Placeholder 3"/>
+          <p:cNvPicPr>
+            <a:picLocks noGrp="1" noChangeAspect="1"/>
+          </p:cNvPicPr>
+          <p:nvPr>
+            <p:ph sz="quarter" idx="10"/>
+          </p:nvPr>
+        </p:nvPicPr>
+        <p:blipFill>
+          <a:blip r:embed="rId2"/>
+          <a:stretch>
+            <a:fillRect/>
+          </a:stretch>
+        </p:blipFill>
+        <p:spPr>
+          <a:xfrm>
+            <a:off x="826972" y="2051050"/>
+            <a:ext cx="8610830" cy="3328988"/>
+          </a:xfrm>
+          <a:prstGeom prst="rect">
+            <a:avLst/>
+          </a:prstGeom>
+        </p:spPr>
+      </p:pic>
+    </p:spTree>
+    <p:extLst>
+      <p:ext uri="{BB962C8B-B14F-4D97-AF65-F5344CB8AC3E}">
+        <p14:creationId xmlns:p14="http://schemas.microsoft.com/office/powerpoint/2010/main" val="4237542899"/>
       </p:ext>
     </p:extLst>
   </p:cSld>
@@ -7670,7 +7932,7 @@
           <p:nvPr>
             <p:extLst>
               <p:ext uri="{D42A27DB-BD31-4B8C-83A1-F6EECF244321}">
-                <p14:modId xmlns:p14="http://schemas.microsoft.com/office/powerpoint/2010/main" val="571710413"/>
+                <p14:modId xmlns:p14="http://schemas.microsoft.com/office/powerpoint/2010/main" val="2883098761"/>
               </p:ext>
             </p:extLst>
           </p:nvPr>
@@ -7795,6 +8057,10 @@
           <a:lstStyle/>
           <a:p>
             <a:pPr lvl="1"/>
+            <a:r>
+              <a:rPr lang="en-US" smtClean="0"/>
+              <a:t>Pig game – cega se secamo?</a:t>
+            </a:r>
             <a:endParaRPr lang="en-US" smtClean="0"/>
           </a:p>
         </p:txBody>
@@ -7890,15 +8156,10 @@
             <a:spLocks noGrp="1"/>
           </p:cNvSpPr>
           <p:nvPr>
-            <p:ph type="body" sz="quarter" idx="4294967295"/>
+            <p:ph type="body" sz="quarter" idx="11"/>
           </p:nvPr>
         </p:nvSpPr>
-        <p:spPr>
-          <a:xfrm>
-            <a:off x="7368309" y="3196013"/>
-            <a:ext cx="4699000" cy="1930400"/>
-          </a:xfrm>
-        </p:spPr>
+        <p:spPr/>
         <p:txBody>
           <a:bodyPr/>
           <a:lstStyle/>
@@ -7906,7 +8167,14 @@
             <a:pPr lvl="0"/>
             <a:r>
               <a:rPr lang="en-US" sz="4000" smtClean="0"/>
-              <a:t>text</a:t>
+              <a:t>Budgety app </a:t>
+            </a:r>
+          </a:p>
+          <a:p>
+            <a:pPr lvl="0"/>
+            <a:r>
+              <a:rPr lang="en-US" sz="4000" smtClean="0"/>
+              <a:t>– prvi deo</a:t>
             </a:r>
             <a:endParaRPr lang="en-US" sz="4000"/>
           </a:p>
@@ -7916,6 +8184,862 @@
     <p:extLst>
       <p:ext uri="{BB962C8B-B14F-4D97-AF65-F5344CB8AC3E}">
         <p14:creationId xmlns:p14="http://schemas.microsoft.com/office/powerpoint/2010/main" val="1530407426"/>
+      </p:ext>
+    </p:extLst>
+  </p:cSld>
+  <p:clrMapOvr>
+    <a:masterClrMapping/>
+  </p:clrMapOvr>
+  <p:timing>
+    <p:tnLst>
+      <p:par>
+        <p:cTn id="1" dur="indefinite" restart="never" nodeType="tmRoot"/>
+      </p:par>
+    </p:tnLst>
+  </p:timing>
+</p:sld>
+</file>
+
+<file path=ppt/slides/slide5.xml><?xml version="1.0" encoding="utf-8"?>
+<p:sld xmlns:a="http://schemas.openxmlformats.org/drawingml/2006/main" xmlns:r="http://schemas.openxmlformats.org/officeDocument/2006/relationships" xmlns:p="http://schemas.openxmlformats.org/presentationml/2006/main">
+  <p:cSld>
+    <p:spTree>
+      <p:nvGrpSpPr>
+        <p:cNvPr id="1" name=""/>
+        <p:cNvGrpSpPr/>
+        <p:nvPr/>
+      </p:nvGrpSpPr>
+      <p:grpSpPr>
+        <a:xfrm>
+          <a:off x="0" y="0"/>
+          <a:ext cx="0" cy="0"/>
+          <a:chOff x="0" y="0"/>
+          <a:chExt cx="0" cy="0"/>
+        </a:xfrm>
+      </p:grpSpPr>
+      <p:sp>
+        <p:nvSpPr>
+          <p:cNvPr id="4" name="Title 3"/>
+          <p:cNvSpPr>
+            <a:spLocks noGrp="1"/>
+          </p:cNvSpPr>
+          <p:nvPr>
+            <p:ph type="title"/>
+          </p:nvPr>
+        </p:nvSpPr>
+        <p:spPr/>
+        <p:txBody>
+          <a:bodyPr/>
+          <a:lstStyle/>
+          <a:p>
+            <a:r>
+              <a:rPr lang="sr-Latn-RS" smtClean="0"/>
+              <a:t>Kako aplikacija radi?</a:t>
+            </a:r>
+            <a:endParaRPr lang="sr-Latn-RS"/>
+          </a:p>
+        </p:txBody>
+      </p:sp>
+      <p:sp>
+        <p:nvSpPr>
+          <p:cNvPr id="5" name="Content Placeholder 4"/>
+          <p:cNvSpPr>
+            <a:spLocks noGrp="1"/>
+          </p:cNvSpPr>
+          <p:nvPr>
+            <p:ph sz="quarter" idx="10"/>
+          </p:nvPr>
+        </p:nvSpPr>
+        <p:spPr/>
+        <p:txBody>
+          <a:bodyPr/>
+          <a:lstStyle/>
+          <a:p>
+            <a:r>
+              <a:rPr lang="sr-Latn-RS" smtClean="0"/>
+              <a:t>Demo</a:t>
+            </a:r>
+          </a:p>
+          <a:p>
+            <a:r>
+              <a:rPr lang="sr-Latn-RS" smtClean="0"/>
+              <a:t>Bitni delovi UI, app logike</a:t>
+            </a:r>
+            <a:endParaRPr lang="sr-Latn-RS"/>
+          </a:p>
+        </p:txBody>
+      </p:sp>
+    </p:spTree>
+    <p:extLst>
+      <p:ext uri="{BB962C8B-B14F-4D97-AF65-F5344CB8AC3E}">
+        <p14:creationId xmlns:p14="http://schemas.microsoft.com/office/powerpoint/2010/main" val="1378572109"/>
+      </p:ext>
+    </p:extLst>
+  </p:cSld>
+  <p:clrMapOvr>
+    <a:masterClrMapping/>
+  </p:clrMapOvr>
+</p:sld>
+</file>
+
+<file path=ppt/slides/slide6.xml><?xml version="1.0" encoding="utf-8"?>
+<p:sld xmlns:a="http://schemas.openxmlformats.org/drawingml/2006/main" xmlns:r="http://schemas.openxmlformats.org/officeDocument/2006/relationships" xmlns:p="http://schemas.openxmlformats.org/presentationml/2006/main">
+  <p:cSld>
+    <p:spTree>
+      <p:nvGrpSpPr>
+        <p:cNvPr id="1" name=""/>
+        <p:cNvGrpSpPr/>
+        <p:nvPr/>
+      </p:nvGrpSpPr>
+      <p:grpSpPr>
+        <a:xfrm>
+          <a:off x="0" y="0"/>
+          <a:ext cx="0" cy="0"/>
+          <a:chOff x="0" y="0"/>
+          <a:chExt cx="0" cy="0"/>
+        </a:xfrm>
+      </p:grpSpPr>
+      <p:sp>
+        <p:nvSpPr>
+          <p:cNvPr id="2" name="Title 1"/>
+          <p:cNvSpPr>
+            <a:spLocks noGrp="1"/>
+          </p:cNvSpPr>
+          <p:nvPr>
+            <p:ph type="title"/>
+          </p:nvPr>
+        </p:nvSpPr>
+        <p:spPr/>
+        <p:txBody>
+          <a:bodyPr/>
+          <a:lstStyle/>
+          <a:p>
+            <a:r>
+              <a:rPr lang="sr-Latn-RS" smtClean="0"/>
+              <a:t>Planiranje </a:t>
+            </a:r>
+            <a:r>
+              <a:rPr lang="en-US" smtClean="0"/>
+              <a:t>aplikacije – korak 1</a:t>
+            </a:r>
+            <a:endParaRPr lang="sr-Latn-RS"/>
+          </a:p>
+        </p:txBody>
+      </p:sp>
+      <p:pic>
+        <p:nvPicPr>
+          <p:cNvPr id="4" name="Content Placeholder 3"/>
+          <p:cNvPicPr>
+            <a:picLocks noGrp="1" noChangeAspect="1"/>
+          </p:cNvPicPr>
+          <p:nvPr>
+            <p:ph sz="quarter" idx="10"/>
+          </p:nvPr>
+        </p:nvPicPr>
+        <p:blipFill>
+          <a:blip r:embed="rId2"/>
+          <a:stretch>
+            <a:fillRect/>
+          </a:stretch>
+        </p:blipFill>
+        <p:spPr>
+          <a:xfrm>
+            <a:off x="819935" y="1418399"/>
+            <a:ext cx="5840945" cy="3685615"/>
+          </a:xfrm>
+          <a:prstGeom prst="rect">
+            <a:avLst/>
+          </a:prstGeom>
+        </p:spPr>
+      </p:pic>
+      <p:pic>
+        <p:nvPicPr>
+          <p:cNvPr id="5" name="Picture 4"/>
+          <p:cNvPicPr>
+            <a:picLocks noChangeAspect="1"/>
+          </p:cNvPicPr>
+          <p:nvPr/>
+        </p:nvPicPr>
+        <p:blipFill>
+          <a:blip r:embed="rId3"/>
+          <a:stretch>
+            <a:fillRect/>
+          </a:stretch>
+        </p:blipFill>
+        <p:spPr>
+          <a:xfrm>
+            <a:off x="7149405" y="1152562"/>
+            <a:ext cx="2629559" cy="5439431"/>
+          </a:xfrm>
+          <a:prstGeom prst="rect">
+            <a:avLst/>
+          </a:prstGeom>
+        </p:spPr>
+      </p:pic>
+    </p:spTree>
+    <p:extLst>
+      <p:ext uri="{BB962C8B-B14F-4D97-AF65-F5344CB8AC3E}">
+        <p14:creationId xmlns:p14="http://schemas.microsoft.com/office/powerpoint/2010/main" val="3650885095"/>
+      </p:ext>
+    </p:extLst>
+  </p:cSld>
+  <p:clrMapOvr>
+    <a:masterClrMapping/>
+  </p:clrMapOvr>
+</p:sld>
+</file>
+
+<file path=ppt/slides/slide7.xml><?xml version="1.0" encoding="utf-8"?>
+<p:sld xmlns:a="http://schemas.openxmlformats.org/drawingml/2006/main" xmlns:r="http://schemas.openxmlformats.org/officeDocument/2006/relationships" xmlns:p="http://schemas.openxmlformats.org/presentationml/2006/main">
+  <p:cSld>
+    <p:spTree>
+      <p:nvGrpSpPr>
+        <p:cNvPr id="1" name=""/>
+        <p:cNvGrpSpPr/>
+        <p:nvPr/>
+      </p:nvGrpSpPr>
+      <p:grpSpPr>
+        <a:xfrm>
+          <a:off x="0" y="0"/>
+          <a:ext cx="0" cy="0"/>
+          <a:chOff x="0" y="0"/>
+          <a:chExt cx="0" cy="0"/>
+        </a:xfrm>
+      </p:grpSpPr>
+      <p:sp>
+        <p:nvSpPr>
+          <p:cNvPr id="2" name="Title 1"/>
+          <p:cNvSpPr>
+            <a:spLocks noGrp="1"/>
+          </p:cNvSpPr>
+          <p:nvPr>
+            <p:ph type="title"/>
+          </p:nvPr>
+        </p:nvSpPr>
+        <p:spPr/>
+        <p:txBody>
+          <a:bodyPr/>
+          <a:lstStyle/>
+          <a:p>
+            <a:r>
+              <a:rPr lang="en-US" smtClean="0"/>
+              <a:t>Organizacija koda</a:t>
+            </a:r>
+            <a:endParaRPr lang="sr-Latn-RS"/>
+          </a:p>
+        </p:txBody>
+      </p:sp>
+      <p:pic>
+        <p:nvPicPr>
+          <p:cNvPr id="4" name="Content Placeholder 3"/>
+          <p:cNvPicPr>
+            <a:picLocks noGrp="1" noChangeAspect="1"/>
+          </p:cNvPicPr>
+          <p:nvPr>
+            <p:ph sz="quarter" idx="10"/>
+          </p:nvPr>
+        </p:nvPicPr>
+        <p:blipFill>
+          <a:blip r:embed="rId2"/>
+          <a:stretch>
+            <a:fillRect/>
+          </a:stretch>
+        </p:blipFill>
+        <p:spPr>
+          <a:xfrm>
+            <a:off x="1236429" y="1809980"/>
+            <a:ext cx="7799650" cy="3859300"/>
+          </a:xfrm>
+          <a:prstGeom prst="rect">
+            <a:avLst/>
+          </a:prstGeom>
+        </p:spPr>
+      </p:pic>
+    </p:spTree>
+    <p:extLst>
+      <p:ext uri="{BB962C8B-B14F-4D97-AF65-F5344CB8AC3E}">
+        <p14:creationId xmlns:p14="http://schemas.microsoft.com/office/powerpoint/2010/main" val="4122266463"/>
+      </p:ext>
+    </p:extLst>
+  </p:cSld>
+  <p:clrMapOvr>
+    <a:masterClrMapping/>
+  </p:clrMapOvr>
+</p:sld>
+</file>
+
+<file path=ppt/slides/slide8.xml><?xml version="1.0" encoding="utf-8"?>
+<p:sld xmlns:a="http://schemas.openxmlformats.org/drawingml/2006/main" xmlns:r="http://schemas.openxmlformats.org/officeDocument/2006/relationships" xmlns:p="http://schemas.openxmlformats.org/presentationml/2006/main">
+  <p:cSld>
+    <p:spTree>
+      <p:nvGrpSpPr>
+        <p:cNvPr id="1" name=""/>
+        <p:cNvGrpSpPr/>
+        <p:nvPr/>
+      </p:nvGrpSpPr>
+      <p:grpSpPr>
+        <a:xfrm>
+          <a:off x="0" y="0"/>
+          <a:ext cx="0" cy="0"/>
+          <a:chOff x="0" y="0"/>
+          <a:chExt cx="0" cy="0"/>
+        </a:xfrm>
+      </p:grpSpPr>
+      <p:sp>
+        <p:nvSpPr>
+          <p:cNvPr id="2" name="Title 1"/>
+          <p:cNvSpPr>
+            <a:spLocks noGrp="1"/>
+          </p:cNvSpPr>
+          <p:nvPr>
+            <p:ph type="title"/>
+          </p:nvPr>
+        </p:nvSpPr>
+        <p:spPr/>
+        <p:txBody>
+          <a:bodyPr/>
+          <a:lstStyle/>
+          <a:p>
+            <a:r>
+              <a:rPr lang="en-US" smtClean="0"/>
+              <a:t>Nazad na nasu task listu</a:t>
+            </a:r>
+            <a:endParaRPr lang="sr-Latn-RS"/>
+          </a:p>
+        </p:txBody>
+      </p:sp>
+      <p:pic>
+        <p:nvPicPr>
+          <p:cNvPr id="4" name="Content Placeholder 3"/>
+          <p:cNvPicPr>
+            <a:picLocks noGrp="1" noChangeAspect="1"/>
+          </p:cNvPicPr>
+          <p:nvPr>
+            <p:ph sz="quarter" idx="10"/>
+          </p:nvPr>
+        </p:nvPicPr>
+        <p:blipFill>
+          <a:blip r:embed="rId2"/>
+          <a:stretch>
+            <a:fillRect/>
+          </a:stretch>
+        </p:blipFill>
+        <p:spPr>
+          <a:xfrm>
+            <a:off x="609480" y="1418400"/>
+            <a:ext cx="2092156" cy="4127922"/>
+          </a:xfrm>
+          <a:prstGeom prst="rect">
+            <a:avLst/>
+          </a:prstGeom>
+        </p:spPr>
+      </p:pic>
+      <p:pic>
+        <p:nvPicPr>
+          <p:cNvPr id="5" name="Picture 4"/>
+          <p:cNvPicPr>
+            <a:picLocks noChangeAspect="1"/>
+          </p:cNvPicPr>
+          <p:nvPr/>
+        </p:nvPicPr>
+        <p:blipFill>
+          <a:blip r:embed="rId3"/>
+          <a:stretch>
+            <a:fillRect/>
+          </a:stretch>
+        </p:blipFill>
+        <p:spPr>
+          <a:xfrm>
+            <a:off x="3641711" y="1526465"/>
+            <a:ext cx="6305903" cy="2894513"/>
+          </a:xfrm>
+          <a:prstGeom prst="rect">
+            <a:avLst/>
+          </a:prstGeom>
+        </p:spPr>
+      </p:pic>
+      <p:pic>
+        <p:nvPicPr>
+          <p:cNvPr id="6" name="Picture 5"/>
+          <p:cNvPicPr>
+            <a:picLocks noChangeAspect="1"/>
+          </p:cNvPicPr>
+          <p:nvPr/>
+        </p:nvPicPr>
+        <p:blipFill>
+          <a:blip r:embed="rId4"/>
+          <a:stretch>
+            <a:fillRect/>
+          </a:stretch>
+        </p:blipFill>
+        <p:spPr>
+          <a:xfrm>
+            <a:off x="3230694" y="1526465"/>
+            <a:ext cx="7011558" cy="3118683"/>
+          </a:xfrm>
+          <a:prstGeom prst="rect">
+            <a:avLst/>
+          </a:prstGeom>
+        </p:spPr>
+      </p:pic>
+      <p:pic>
+        <p:nvPicPr>
+          <p:cNvPr id="7" name="Picture 6"/>
+          <p:cNvPicPr>
+            <a:picLocks noChangeAspect="1"/>
+          </p:cNvPicPr>
+          <p:nvPr/>
+        </p:nvPicPr>
+        <p:blipFill>
+          <a:blip r:embed="rId5"/>
+          <a:stretch>
+            <a:fillRect/>
+          </a:stretch>
+        </p:blipFill>
+        <p:spPr>
+          <a:xfrm>
+            <a:off x="5097305" y="4645148"/>
+            <a:ext cx="2971187" cy="1786639"/>
+          </a:xfrm>
+          <a:prstGeom prst="rect">
+            <a:avLst/>
+          </a:prstGeom>
+        </p:spPr>
+      </p:pic>
+    </p:spTree>
+    <p:extLst>
+      <p:ext uri="{BB962C8B-B14F-4D97-AF65-F5344CB8AC3E}">
+        <p14:creationId xmlns:p14="http://schemas.microsoft.com/office/powerpoint/2010/main" val="3843418942"/>
+      </p:ext>
+    </p:extLst>
+  </p:cSld>
+  <p:clrMapOvr>
+    <a:masterClrMapping/>
+  </p:clrMapOvr>
+  <p:timing>
+    <p:tnLst>
+      <p:par>
+        <p:cTn id="1" dur="indefinite" restart="never" nodeType="tmRoot">
+          <p:childTnLst>
+            <p:seq concurrent="1" nextAc="seek">
+              <p:cTn id="2" dur="indefinite" nodeType="mainSeq">
+                <p:childTnLst>
+                  <p:par>
+                    <p:cTn id="3" fill="hold">
+                      <p:stCondLst>
+                        <p:cond delay="indefinite"/>
+                      </p:stCondLst>
+                      <p:childTnLst>
+                        <p:par>
+                          <p:cTn id="4" fill="hold">
+                            <p:stCondLst>
+                              <p:cond delay="0"/>
+                            </p:stCondLst>
+                            <p:childTnLst>
+                              <p:par>
+                                <p:cTn id="5" presetID="2" presetClass="entr" presetSubtype="4" fill="hold" nodeType="clickEffect">
+                                  <p:stCondLst>
+                                    <p:cond delay="0"/>
+                                  </p:stCondLst>
+                                  <p:childTnLst>
+                                    <p:set>
+                                      <p:cBhvr>
+                                        <p:cTn id="6" dur="1" fill="hold">
+                                          <p:stCondLst>
+                                            <p:cond delay="0"/>
+                                          </p:stCondLst>
+                                        </p:cTn>
+                                        <p:tgtEl>
+                                          <p:spTgt spid="5"/>
+                                        </p:tgtEl>
+                                        <p:attrNameLst>
+                                          <p:attrName>style.visibility</p:attrName>
+                                        </p:attrNameLst>
+                                      </p:cBhvr>
+                                      <p:to>
+                                        <p:strVal val="visible"/>
+                                      </p:to>
+                                    </p:set>
+                                    <p:anim calcmode="lin" valueType="num">
+                                      <p:cBhvr additive="base">
+                                        <p:cTn id="7" dur="500" fill="hold"/>
+                                        <p:tgtEl>
+                                          <p:spTgt spid="5"/>
+                                        </p:tgtEl>
+                                        <p:attrNameLst>
+                                          <p:attrName>ppt_x</p:attrName>
+                                        </p:attrNameLst>
+                                      </p:cBhvr>
+                                      <p:tavLst>
+                                        <p:tav tm="0">
+                                          <p:val>
+                                            <p:strVal val="#ppt_x"/>
+                                          </p:val>
+                                        </p:tav>
+                                        <p:tav tm="100000">
+                                          <p:val>
+                                            <p:strVal val="#ppt_x"/>
+                                          </p:val>
+                                        </p:tav>
+                                      </p:tavLst>
+                                    </p:anim>
+                                    <p:anim calcmode="lin" valueType="num">
+                                      <p:cBhvr additive="base">
+                                        <p:cTn id="8" dur="500" fill="hold"/>
+                                        <p:tgtEl>
+                                          <p:spTgt spid="5"/>
+                                        </p:tgtEl>
+                                        <p:attrNameLst>
+                                          <p:attrName>ppt_y</p:attrName>
+                                        </p:attrNameLst>
+                                      </p:cBhvr>
+                                      <p:tavLst>
+                                        <p:tav tm="0">
+                                          <p:val>
+                                            <p:strVal val="1+#ppt_h/2"/>
+                                          </p:val>
+                                        </p:tav>
+                                        <p:tav tm="100000">
+                                          <p:val>
+                                            <p:strVal val="#ppt_y"/>
+                                          </p:val>
+                                        </p:tav>
+                                      </p:tavLst>
+                                    </p:anim>
+                                  </p:childTnLst>
+                                </p:cTn>
+                              </p:par>
+                            </p:childTnLst>
+                          </p:cTn>
+                        </p:par>
+                      </p:childTnLst>
+                    </p:cTn>
+                  </p:par>
+                  <p:par>
+                    <p:cTn id="9" fill="hold">
+                      <p:stCondLst>
+                        <p:cond delay="indefinite"/>
+                      </p:stCondLst>
+                      <p:childTnLst>
+                        <p:par>
+                          <p:cTn id="10" fill="hold">
+                            <p:stCondLst>
+                              <p:cond delay="0"/>
+                            </p:stCondLst>
+                            <p:childTnLst>
+                              <p:par>
+                                <p:cTn id="11" presetID="2" presetClass="entr" presetSubtype="4" fill="hold" nodeType="clickEffect">
+                                  <p:stCondLst>
+                                    <p:cond delay="0"/>
+                                  </p:stCondLst>
+                                  <p:childTnLst>
+                                    <p:set>
+                                      <p:cBhvr>
+                                        <p:cTn id="12" dur="1" fill="hold">
+                                          <p:stCondLst>
+                                            <p:cond delay="0"/>
+                                          </p:stCondLst>
+                                        </p:cTn>
+                                        <p:tgtEl>
+                                          <p:spTgt spid="6"/>
+                                        </p:tgtEl>
+                                        <p:attrNameLst>
+                                          <p:attrName>style.visibility</p:attrName>
+                                        </p:attrNameLst>
+                                      </p:cBhvr>
+                                      <p:to>
+                                        <p:strVal val="visible"/>
+                                      </p:to>
+                                    </p:set>
+                                    <p:anim calcmode="lin" valueType="num">
+                                      <p:cBhvr additive="base">
+                                        <p:cTn id="13" dur="500" fill="hold"/>
+                                        <p:tgtEl>
+                                          <p:spTgt spid="6"/>
+                                        </p:tgtEl>
+                                        <p:attrNameLst>
+                                          <p:attrName>ppt_x</p:attrName>
+                                        </p:attrNameLst>
+                                      </p:cBhvr>
+                                      <p:tavLst>
+                                        <p:tav tm="0">
+                                          <p:val>
+                                            <p:strVal val="#ppt_x"/>
+                                          </p:val>
+                                        </p:tav>
+                                        <p:tav tm="100000">
+                                          <p:val>
+                                            <p:strVal val="#ppt_x"/>
+                                          </p:val>
+                                        </p:tav>
+                                      </p:tavLst>
+                                    </p:anim>
+                                    <p:anim calcmode="lin" valueType="num">
+                                      <p:cBhvr additive="base">
+                                        <p:cTn id="14" dur="500" fill="hold"/>
+                                        <p:tgtEl>
+                                          <p:spTgt spid="6"/>
+                                        </p:tgtEl>
+                                        <p:attrNameLst>
+                                          <p:attrName>ppt_y</p:attrName>
+                                        </p:attrNameLst>
+                                      </p:cBhvr>
+                                      <p:tavLst>
+                                        <p:tav tm="0">
+                                          <p:val>
+                                            <p:strVal val="1+#ppt_h/2"/>
+                                          </p:val>
+                                        </p:tav>
+                                        <p:tav tm="100000">
+                                          <p:val>
+                                            <p:strVal val="#ppt_y"/>
+                                          </p:val>
+                                        </p:tav>
+                                      </p:tavLst>
+                                    </p:anim>
+                                  </p:childTnLst>
+                                </p:cTn>
+                              </p:par>
+                            </p:childTnLst>
+                          </p:cTn>
+                        </p:par>
+                      </p:childTnLst>
+                    </p:cTn>
+                  </p:par>
+                  <p:par>
+                    <p:cTn id="15" fill="hold">
+                      <p:stCondLst>
+                        <p:cond delay="indefinite"/>
+                      </p:stCondLst>
+                      <p:childTnLst>
+                        <p:par>
+                          <p:cTn id="16" fill="hold">
+                            <p:stCondLst>
+                              <p:cond delay="0"/>
+                            </p:stCondLst>
+                            <p:childTnLst>
+                              <p:par>
+                                <p:cTn id="17" presetID="2" presetClass="entr" presetSubtype="4" fill="hold" nodeType="clickEffect">
+                                  <p:stCondLst>
+                                    <p:cond delay="0"/>
+                                  </p:stCondLst>
+                                  <p:childTnLst>
+                                    <p:set>
+                                      <p:cBhvr>
+                                        <p:cTn id="18" dur="1" fill="hold">
+                                          <p:stCondLst>
+                                            <p:cond delay="0"/>
+                                          </p:stCondLst>
+                                        </p:cTn>
+                                        <p:tgtEl>
+                                          <p:spTgt spid="7"/>
+                                        </p:tgtEl>
+                                        <p:attrNameLst>
+                                          <p:attrName>style.visibility</p:attrName>
+                                        </p:attrNameLst>
+                                      </p:cBhvr>
+                                      <p:to>
+                                        <p:strVal val="visible"/>
+                                      </p:to>
+                                    </p:set>
+                                    <p:anim calcmode="lin" valueType="num">
+                                      <p:cBhvr additive="base">
+                                        <p:cTn id="19" dur="500" fill="hold"/>
+                                        <p:tgtEl>
+                                          <p:spTgt spid="7"/>
+                                        </p:tgtEl>
+                                        <p:attrNameLst>
+                                          <p:attrName>ppt_x</p:attrName>
+                                        </p:attrNameLst>
+                                      </p:cBhvr>
+                                      <p:tavLst>
+                                        <p:tav tm="0">
+                                          <p:val>
+                                            <p:strVal val="#ppt_x"/>
+                                          </p:val>
+                                        </p:tav>
+                                        <p:tav tm="100000">
+                                          <p:val>
+                                            <p:strVal val="#ppt_x"/>
+                                          </p:val>
+                                        </p:tav>
+                                      </p:tavLst>
+                                    </p:anim>
+                                    <p:anim calcmode="lin" valueType="num">
+                                      <p:cBhvr additive="base">
+                                        <p:cTn id="20" dur="500" fill="hold"/>
+                                        <p:tgtEl>
+                                          <p:spTgt spid="7"/>
+                                        </p:tgtEl>
+                                        <p:attrNameLst>
+                                          <p:attrName>ppt_y</p:attrName>
+                                        </p:attrNameLst>
+                                      </p:cBhvr>
+                                      <p:tavLst>
+                                        <p:tav tm="0">
+                                          <p:val>
+                                            <p:strVal val="1+#ppt_h/2"/>
+                                          </p:val>
+                                        </p:tav>
+                                        <p:tav tm="100000">
+                                          <p:val>
+                                            <p:strVal val="#ppt_y"/>
+                                          </p:val>
+                                        </p:tav>
+                                      </p:tavLst>
+                                    </p:anim>
+                                  </p:childTnLst>
+                                </p:cTn>
+                              </p:par>
+                            </p:childTnLst>
+                          </p:cTn>
+                        </p:par>
+                      </p:childTnLst>
+                    </p:cTn>
+                  </p:par>
+                </p:childTnLst>
+              </p:cTn>
+              <p:prevCondLst>
+                <p:cond evt="onPrev" delay="0">
+                  <p:tgtEl>
+                    <p:sldTgt/>
+                  </p:tgtEl>
+                </p:cond>
+              </p:prevCondLst>
+              <p:nextCondLst>
+                <p:cond evt="onNext" delay="0">
+                  <p:tgtEl>
+                    <p:sldTgt/>
+                  </p:tgtEl>
+                </p:cond>
+              </p:nextCondLst>
+            </p:seq>
+          </p:childTnLst>
+        </p:cTn>
+      </p:par>
+    </p:tnLst>
+  </p:timing>
+</p:sld>
+</file>
+
+<file path=ppt/slides/slide9.xml><?xml version="1.0" encoding="utf-8"?>
+<p:sld xmlns:a="http://schemas.openxmlformats.org/drawingml/2006/main" xmlns:r="http://schemas.openxmlformats.org/officeDocument/2006/relationships" xmlns:p="http://schemas.openxmlformats.org/presentationml/2006/main">
+  <p:cSld>
+    <p:spTree>
+      <p:nvGrpSpPr>
+        <p:cNvPr id="1" name=""/>
+        <p:cNvGrpSpPr/>
+        <p:nvPr/>
+      </p:nvGrpSpPr>
+      <p:grpSpPr>
+        <a:xfrm>
+          <a:off x="0" y="0"/>
+          <a:ext cx="0" cy="0"/>
+          <a:chOff x="0" y="0"/>
+          <a:chExt cx="0" cy="0"/>
+        </a:xfrm>
+      </p:grpSpPr>
+      <p:sp>
+        <p:nvSpPr>
+          <p:cNvPr id="2" name="Title 1"/>
+          <p:cNvSpPr>
+            <a:spLocks noGrp="1"/>
+          </p:cNvSpPr>
+          <p:nvPr>
+            <p:ph type="title"/>
+          </p:nvPr>
+        </p:nvSpPr>
+        <p:spPr/>
+        <p:txBody>
+          <a:bodyPr/>
+          <a:lstStyle/>
+          <a:p>
+            <a:r>
+              <a:rPr lang="en-US" smtClean="0"/>
+              <a:t>Module pattern - pocetak</a:t>
+            </a:r>
+            <a:endParaRPr lang="sr-Latn-RS"/>
+          </a:p>
+        </p:txBody>
+      </p:sp>
+      <p:pic>
+        <p:nvPicPr>
+          <p:cNvPr id="4" name="Content Placeholder 3"/>
+          <p:cNvPicPr>
+            <a:picLocks noGrp="1" noChangeAspect="1"/>
+          </p:cNvPicPr>
+          <p:nvPr>
+            <p:ph sz="quarter" idx="10"/>
+          </p:nvPr>
+        </p:nvPicPr>
+        <p:blipFill>
+          <a:blip r:embed="rId2"/>
+          <a:stretch>
+            <a:fillRect/>
+          </a:stretch>
+        </p:blipFill>
+        <p:spPr>
+          <a:xfrm>
+            <a:off x="414462" y="1349810"/>
+            <a:ext cx="4178703" cy="2889680"/>
+          </a:xfrm>
+          <a:prstGeom prst="rect">
+            <a:avLst/>
+          </a:prstGeom>
+        </p:spPr>
+      </p:pic>
+      <p:pic>
+        <p:nvPicPr>
+          <p:cNvPr id="5" name="Picture 4"/>
+          <p:cNvPicPr>
+            <a:picLocks noChangeAspect="1"/>
+          </p:cNvPicPr>
+          <p:nvPr/>
+        </p:nvPicPr>
+        <p:blipFill>
+          <a:blip r:embed="rId3"/>
+          <a:stretch>
+            <a:fillRect/>
+          </a:stretch>
+        </p:blipFill>
+        <p:spPr>
+          <a:xfrm>
+            <a:off x="4788183" y="1385146"/>
+            <a:ext cx="5144218" cy="1362265"/>
+          </a:xfrm>
+          <a:prstGeom prst="rect">
+            <a:avLst/>
+          </a:prstGeom>
+        </p:spPr>
+      </p:pic>
+      <p:pic>
+        <p:nvPicPr>
+          <p:cNvPr id="7" name="Picture 6"/>
+          <p:cNvPicPr>
+            <a:picLocks noChangeAspect="1"/>
+          </p:cNvPicPr>
+          <p:nvPr/>
+        </p:nvPicPr>
+        <p:blipFill>
+          <a:blip r:embed="rId4"/>
+          <a:stretch>
+            <a:fillRect/>
+          </a:stretch>
+        </p:blipFill>
+        <p:spPr>
+          <a:xfrm>
+            <a:off x="4788183" y="2839120"/>
+            <a:ext cx="5876395" cy="2406212"/>
+          </a:xfrm>
+          <a:prstGeom prst="rect">
+            <a:avLst/>
+          </a:prstGeom>
+        </p:spPr>
+      </p:pic>
+    </p:spTree>
+    <p:extLst>
+      <p:ext uri="{BB962C8B-B14F-4D97-AF65-F5344CB8AC3E}">
+        <p14:creationId xmlns:p14="http://schemas.microsoft.com/office/powerpoint/2010/main" val="1602093451"/>
       </p:ext>
     </p:extLst>
   </p:cSld>

--- a/sesija-30/PPT/Front-End Developer-30.pptx
+++ b/sesija-30/PPT/Front-End Developer-30.pptx
@@ -6,7 +6,7 @@
     <p:sldMasterId id="2147483676" r:id="rId2"/>
   </p:sldMasterIdLst>
   <p:notesMasterIdLst>
-    <p:notesMasterId r:id="rId14"/>
+    <p:notesMasterId r:id="rId15"/>
   </p:notesMasterIdLst>
   <p:sldIdLst>
     <p:sldId id="256" r:id="rId3"/>
@@ -17,9 +17,10 @@
     <p:sldId id="265" r:id="rId8"/>
     <p:sldId id="266" r:id="rId9"/>
     <p:sldId id="267" r:id="rId10"/>
-    <p:sldId id="268" r:id="rId11"/>
-    <p:sldId id="269" r:id="rId12"/>
-    <p:sldId id="270" r:id="rId13"/>
+    <p:sldId id="271" r:id="rId11"/>
+    <p:sldId id="268" r:id="rId12"/>
+    <p:sldId id="269" r:id="rId13"/>
+    <p:sldId id="270" r:id="rId14"/>
   </p:sldIdLst>
   <p:sldSz cx="12192000" cy="6858000"/>
   <p:notesSz cx="6858000" cy="9144000"/>
@@ -131,6 +132,7 @@
             <p14:sldId id="265"/>
             <p14:sldId id="266"/>
             <p14:sldId id="267"/>
+            <p14:sldId id="271"/>
             <p14:sldId id="268"/>
             <p14:sldId id="269"/>
             <p14:sldId id="270"/>
@@ -2545,7 +2547,7 @@
           <a:p>
             <a:fld id="{D32AC403-8EB1-4D4E-8C3A-24BD19820531}" type="datetimeFigureOut">
               <a:rPr lang="en-US" smtClean="0"/>
-              <a:t>22-Apr-18</a:t>
+              <a:t>23-Apr-18</a:t>
             </a:fld>
             <a:endParaRPr lang="en-US"/>
           </a:p>
@@ -3291,7 +3293,7 @@
           <a:p>
             <a:fld id="{B35B300D-7DF5-4E96-8AA6-60E94C6E9F44}" type="datetimeFigureOut">
               <a:rPr lang="sr-Latn-RS" smtClean="0"/>
-              <a:t>22.4.2018.</a:t>
+              <a:t>23.4.2018.</a:t>
             </a:fld>
             <a:endParaRPr lang="sr-Latn-RS"/>
           </a:p>
@@ -3725,7 +3727,7 @@
           <a:p>
             <a:fld id="{B35B300D-7DF5-4E96-8AA6-60E94C6E9F44}" type="datetimeFigureOut">
               <a:rPr lang="sr-Latn-RS" smtClean="0"/>
-              <a:t>22.4.2018.</a:t>
+              <a:t>23.4.2018.</a:t>
             </a:fld>
             <a:endParaRPr lang="sr-Latn-RS"/>
           </a:p>
@@ -4099,7 +4101,7 @@
           <a:p>
             <a:fld id="{B35B300D-7DF5-4E96-8AA6-60E94C6E9F44}" type="datetimeFigureOut">
               <a:rPr lang="sr-Latn-RS" smtClean="0"/>
-              <a:t>22.4.2018.</a:t>
+              <a:t>23.4.2018.</a:t>
             </a:fld>
             <a:endParaRPr lang="sr-Latn-RS"/>
           </a:p>
@@ -4383,7 +4385,7 @@
           <a:p>
             <a:fld id="{B35B300D-7DF5-4E96-8AA6-60E94C6E9F44}" type="datetimeFigureOut">
               <a:rPr lang="sr-Latn-RS" smtClean="0"/>
-              <a:t>22.4.2018.</a:t>
+              <a:t>23.4.2018.</a:t>
             </a:fld>
             <a:endParaRPr lang="sr-Latn-RS"/>
           </a:p>
@@ -4560,7 +4562,7 @@
           <a:p>
             <a:fld id="{B35B300D-7DF5-4E96-8AA6-60E94C6E9F44}" type="datetimeFigureOut">
               <a:rPr lang="sr-Latn-RS" smtClean="0"/>
-              <a:t>22.4.2018.</a:t>
+              <a:t>23.4.2018.</a:t>
             </a:fld>
             <a:endParaRPr lang="sr-Latn-RS"/>
           </a:p>
@@ -4747,7 +4749,7 @@
           <a:p>
             <a:fld id="{B35B300D-7DF5-4E96-8AA6-60E94C6E9F44}" type="datetimeFigureOut">
               <a:rPr lang="sr-Latn-RS" smtClean="0"/>
-              <a:t>22.4.2018.</a:t>
+              <a:t>23.4.2018.</a:t>
             </a:fld>
             <a:endParaRPr lang="sr-Latn-RS"/>
           </a:p>
@@ -4994,7 +4996,7 @@
           <a:p>
             <a:fld id="{B35B300D-7DF5-4E96-8AA6-60E94C6E9F44}" type="datetimeFigureOut">
               <a:rPr lang="sr-Latn-RS" smtClean="0"/>
-              <a:t>22.4.2018.</a:t>
+              <a:t>23.4.2018.</a:t>
             </a:fld>
             <a:endParaRPr lang="sr-Latn-RS"/>
           </a:p>
@@ -5278,7 +5280,7 @@
           <a:p>
             <a:fld id="{B35B300D-7DF5-4E96-8AA6-60E94C6E9F44}" type="datetimeFigureOut">
               <a:rPr lang="sr-Latn-RS" smtClean="0"/>
-              <a:t>22.4.2018.</a:t>
+              <a:t>23.4.2018.</a:t>
             </a:fld>
             <a:endParaRPr lang="sr-Latn-RS"/>
           </a:p>
@@ -7197,7 +7199,7 @@
           <a:p>
             <a:fld id="{B35B300D-7DF5-4E96-8AA6-60E94C6E9F44}" type="datetimeFigureOut">
               <a:rPr lang="sr-Latn-RS" smtClean="0"/>
-              <a:t>22.4.2018.</a:t>
+              <a:t>23.4.2018.</a:t>
             </a:fld>
             <a:endParaRPr lang="sr-Latn-RS"/>
           </a:p>
@@ -7714,6 +7716,140 @@
           <a:p>
             <a:r>
               <a:rPr lang="en-US" smtClean="0"/>
+              <a:t>Module pattern - pocetak</a:t>
+            </a:r>
+            <a:endParaRPr lang="sr-Latn-RS"/>
+          </a:p>
+        </p:txBody>
+      </p:sp>
+      <p:pic>
+        <p:nvPicPr>
+          <p:cNvPr id="4" name="Content Placeholder 3"/>
+          <p:cNvPicPr>
+            <a:picLocks noGrp="1" noChangeAspect="1"/>
+          </p:cNvPicPr>
+          <p:nvPr>
+            <p:ph sz="quarter" idx="10"/>
+          </p:nvPr>
+        </p:nvPicPr>
+        <p:blipFill>
+          <a:blip r:embed="rId2"/>
+          <a:stretch>
+            <a:fillRect/>
+          </a:stretch>
+        </p:blipFill>
+        <p:spPr>
+          <a:xfrm>
+            <a:off x="414462" y="1349810"/>
+            <a:ext cx="4178703" cy="2889680"/>
+          </a:xfrm>
+          <a:prstGeom prst="rect">
+            <a:avLst/>
+          </a:prstGeom>
+        </p:spPr>
+      </p:pic>
+      <p:pic>
+        <p:nvPicPr>
+          <p:cNvPr id="5" name="Picture 4"/>
+          <p:cNvPicPr>
+            <a:picLocks noChangeAspect="1"/>
+          </p:cNvPicPr>
+          <p:nvPr/>
+        </p:nvPicPr>
+        <p:blipFill>
+          <a:blip r:embed="rId3"/>
+          <a:stretch>
+            <a:fillRect/>
+          </a:stretch>
+        </p:blipFill>
+        <p:spPr>
+          <a:xfrm>
+            <a:off x="4788183" y="1385146"/>
+            <a:ext cx="5144218" cy="1362265"/>
+          </a:xfrm>
+          <a:prstGeom prst="rect">
+            <a:avLst/>
+          </a:prstGeom>
+        </p:spPr>
+      </p:pic>
+      <p:pic>
+        <p:nvPicPr>
+          <p:cNvPr id="7" name="Picture 6"/>
+          <p:cNvPicPr>
+            <a:picLocks noChangeAspect="1"/>
+          </p:cNvPicPr>
+          <p:nvPr/>
+        </p:nvPicPr>
+        <p:blipFill>
+          <a:blip r:embed="rId4"/>
+          <a:stretch>
+            <a:fillRect/>
+          </a:stretch>
+        </p:blipFill>
+        <p:spPr>
+          <a:xfrm>
+            <a:off x="4788183" y="2839120"/>
+            <a:ext cx="5876395" cy="2406212"/>
+          </a:xfrm>
+          <a:prstGeom prst="rect">
+            <a:avLst/>
+          </a:prstGeom>
+        </p:spPr>
+      </p:pic>
+    </p:spTree>
+    <p:extLst>
+      <p:ext uri="{BB962C8B-B14F-4D97-AF65-F5344CB8AC3E}">
+        <p14:creationId xmlns:p14="http://schemas.microsoft.com/office/powerpoint/2010/main" val="1602093451"/>
+      </p:ext>
+    </p:extLst>
+  </p:cSld>
+  <p:clrMapOvr>
+    <a:masterClrMapping/>
+  </p:clrMapOvr>
+  <p:timing>
+    <p:tnLst>
+      <p:par>
+        <p:cTn id="1" dur="indefinite" restart="never" nodeType="tmRoot"/>
+      </p:par>
+    </p:tnLst>
+  </p:timing>
+</p:sld>
+</file>
+
+<file path=ppt/slides/slide11.xml><?xml version="1.0" encoding="utf-8"?>
+<p:sld xmlns:a="http://schemas.openxmlformats.org/drawingml/2006/main" xmlns:r="http://schemas.openxmlformats.org/officeDocument/2006/relationships" xmlns:p="http://schemas.openxmlformats.org/presentationml/2006/main">
+  <p:cSld>
+    <p:spTree>
+      <p:nvGrpSpPr>
+        <p:cNvPr id="1" name=""/>
+        <p:cNvGrpSpPr/>
+        <p:nvPr/>
+      </p:nvGrpSpPr>
+      <p:grpSpPr>
+        <a:xfrm>
+          <a:off x="0" y="0"/>
+          <a:ext cx="0" cy="0"/>
+          <a:chOff x="0" y="0"/>
+          <a:chExt cx="0" cy="0"/>
+        </a:xfrm>
+      </p:grpSpPr>
+      <p:sp>
+        <p:nvSpPr>
+          <p:cNvPr id="2" name="Title 1"/>
+          <p:cNvSpPr>
+            <a:spLocks noGrp="1"/>
+          </p:cNvSpPr>
+          <p:nvPr>
+            <p:ph type="title"/>
+          </p:nvPr>
+        </p:nvSpPr>
+        <p:spPr/>
+        <p:txBody>
+          <a:bodyPr/>
+          <a:lstStyle/>
+          <a:p>
+            <a:r>
+              <a:rPr lang="en-US" smtClean="0"/>
               <a:t>init</a:t>
             </a:r>
             <a:endParaRPr lang="sr-Latn-RS"/>
@@ -7766,7 +7902,7 @@
 </p:sld>
 </file>
 
-<file path=ppt/slides/slide11.xml><?xml version="1.0" encoding="utf-8"?>
+<file path=ppt/slides/slide12.xml><?xml version="1.0" encoding="utf-8"?>
 <p:sld xmlns:a="http://schemas.openxmlformats.org/drawingml/2006/main" xmlns:r="http://schemas.openxmlformats.org/officeDocument/2006/relationships" xmlns:p="http://schemas.openxmlformats.org/presentationml/2006/main">
   <p:cSld>
     <p:spTree>
@@ -8061,7 +8197,6 @@
               <a:rPr lang="en-US" smtClean="0"/>
               <a:t>Pig game – cega se secamo?</a:t>
             </a:r>
-            <a:endParaRPr lang="en-US" smtClean="0"/>
           </a:p>
         </p:txBody>
       </p:sp>
@@ -8956,7 +9091,7 @@
           <a:p>
             <a:r>
               <a:rPr lang="en-US" smtClean="0"/>
-              <a:t>Module pattern - pocetak</a:t>
+              <a:t>Arhitektura</a:t>
             </a:r>
             <a:endParaRPr lang="sr-Latn-RS"/>
           </a:p>
@@ -8980,56 +9115,8 @@
         </p:blipFill>
         <p:spPr>
           <a:xfrm>
-            <a:off x="414462" y="1349810"/>
-            <a:ext cx="4178703" cy="2889680"/>
-          </a:xfrm>
-          <a:prstGeom prst="rect">
-            <a:avLst/>
-          </a:prstGeom>
-        </p:spPr>
-      </p:pic>
-      <p:pic>
-        <p:nvPicPr>
-          <p:cNvPr id="5" name="Picture 4"/>
-          <p:cNvPicPr>
-            <a:picLocks noChangeAspect="1"/>
-          </p:cNvPicPr>
-          <p:nvPr/>
-        </p:nvPicPr>
-        <p:blipFill>
-          <a:blip r:embed="rId3"/>
-          <a:stretch>
-            <a:fillRect/>
-          </a:stretch>
-        </p:blipFill>
-        <p:spPr>
-          <a:xfrm>
-            <a:off x="4788183" y="1385146"/>
-            <a:ext cx="5144218" cy="1362265"/>
-          </a:xfrm>
-          <a:prstGeom prst="rect">
-            <a:avLst/>
-          </a:prstGeom>
-        </p:spPr>
-      </p:pic>
-      <p:pic>
-        <p:nvPicPr>
-          <p:cNvPr id="7" name="Picture 6"/>
-          <p:cNvPicPr>
-            <a:picLocks noChangeAspect="1"/>
-          </p:cNvPicPr>
-          <p:nvPr/>
-        </p:nvPicPr>
-        <p:blipFill>
-          <a:blip r:embed="rId4"/>
-          <a:stretch>
-            <a:fillRect/>
-          </a:stretch>
-        </p:blipFill>
-        <p:spPr>
-          <a:xfrm>
-            <a:off x="4788183" y="2839120"/>
-            <a:ext cx="5876395" cy="2406212"/>
+            <a:off x="1124198" y="1319530"/>
+            <a:ext cx="7429597" cy="4560930"/>
           </a:xfrm>
           <a:prstGeom prst="rect">
             <a:avLst/>
@@ -9039,20 +9126,13 @@
     </p:spTree>
     <p:extLst>
       <p:ext uri="{BB962C8B-B14F-4D97-AF65-F5344CB8AC3E}">
-        <p14:creationId xmlns:p14="http://schemas.microsoft.com/office/powerpoint/2010/main" val="1602093451"/>
+        <p14:creationId xmlns:p14="http://schemas.microsoft.com/office/powerpoint/2010/main" val="2706449416"/>
       </p:ext>
     </p:extLst>
   </p:cSld>
   <p:clrMapOvr>
     <a:masterClrMapping/>
   </p:clrMapOvr>
-  <p:timing>
-    <p:tnLst>
-      <p:par>
-        <p:cTn id="1" dur="indefinite" restart="never" nodeType="tmRoot"/>
-      </p:par>
-    </p:tnLst>
-  </p:timing>
 </p:sld>
 </file>
 
